--- a/JavaScript/230312/자바스크립트 콜스택.pptx
+++ b/JavaScript/230312/자바스크립트 콜스택.pptx
@@ -112,6 +112,11 @@
       </a:defRPr>
     </a:lvl9pPr>
   </p:defaultTextStyle>
+  <p:extLst>
+    <p:ext uri="{EFAFB233-063F-42B5-8137-9DF3F51BA10A}">
+      <p15:sldGuideLst xmlns:p15="http://schemas.microsoft.com/office/powerpoint/2012/main"/>
+    </p:ext>
+  </p:extLst>
 </p:presentation>
 </file>
 
@@ -624,7 +629,7 @@
             <a:fld id="{B61BEF0D-F0BB-DE4B-95CE-6DB70DBA9567}" type="datetimeFigureOut">
               <a:rPr lang="en-US" smtClean="0"/>
               <a:pPr/>
-              <a:t>3/12/2023</a:t>
+              <a:t>3/13/2023</a:t>
             </a:fld>
             <a:endParaRPr lang="en-US" dirty="0"/>
           </a:p>
@@ -1608,7 +1613,7 @@
             <a:fld id="{B61BEF0D-F0BB-DE4B-95CE-6DB70DBA9567}" type="datetimeFigureOut">
               <a:rPr lang="en-US" smtClean="0"/>
               <a:pPr/>
-              <a:t>3/12/2023</a:t>
+              <a:t>3/13/2023</a:t>
             </a:fld>
             <a:endParaRPr lang="en-US" dirty="0"/>
           </a:p>
@@ -2480,7 +2485,7 @@
             <a:fld id="{B61BEF0D-F0BB-DE4B-95CE-6DB70DBA9567}" type="datetimeFigureOut">
               <a:rPr lang="en-US" smtClean="0"/>
               <a:pPr/>
-              <a:t>3/12/2023</a:t>
+              <a:t>3/13/2023</a:t>
             </a:fld>
             <a:endParaRPr lang="en-US" dirty="0"/>
           </a:p>
@@ -3503,7 +3508,7 @@
             <a:fld id="{B61BEF0D-F0BB-DE4B-95CE-6DB70DBA9567}" type="datetimeFigureOut">
               <a:rPr lang="en-US" smtClean="0"/>
               <a:pPr/>
-              <a:t>3/12/2023</a:t>
+              <a:t>3/13/2023</a:t>
             </a:fld>
             <a:endParaRPr lang="en-US" dirty="0"/>
           </a:p>
@@ -4425,7 +4430,7 @@
             <a:fld id="{B61BEF0D-F0BB-DE4B-95CE-6DB70DBA9567}" type="datetimeFigureOut">
               <a:rPr lang="en-US" smtClean="0"/>
               <a:pPr/>
-              <a:t>3/12/2023</a:t>
+              <a:t>3/13/2023</a:t>
             </a:fld>
             <a:endParaRPr lang="en-US" dirty="0"/>
           </a:p>
@@ -5083,7 +5088,7 @@
             <a:fld id="{B61BEF0D-F0BB-DE4B-95CE-6DB70DBA9567}" type="datetimeFigureOut">
               <a:rPr lang="en-US" smtClean="0"/>
               <a:pPr/>
-              <a:t>3/12/2023</a:t>
+              <a:t>3/13/2023</a:t>
             </a:fld>
             <a:endParaRPr lang="en-US" dirty="0"/>
           </a:p>
@@ -5942,7 +5947,7 @@
             <a:fld id="{B61BEF0D-F0BB-DE4B-95CE-6DB70DBA9567}" type="datetimeFigureOut">
               <a:rPr lang="en-US" smtClean="0"/>
               <a:pPr/>
-              <a:t>3/12/2023</a:t>
+              <a:t>3/13/2023</a:t>
             </a:fld>
             <a:endParaRPr lang="en-US" dirty="0"/>
           </a:p>
@@ -6127,7 +6132,7 @@
             <a:fld id="{B61BEF0D-F0BB-DE4B-95CE-6DB70DBA9567}" type="datetimeFigureOut">
               <a:rPr lang="en-US" smtClean="0"/>
               <a:pPr/>
-              <a:t>3/12/2023</a:t>
+              <a:t>3/13/2023</a:t>
             </a:fld>
             <a:endParaRPr lang="en-US" dirty="0"/>
           </a:p>
@@ -6986,7 +6991,7 @@
             <a:fld id="{B61BEF0D-F0BB-DE4B-95CE-6DB70DBA9567}" type="datetimeFigureOut">
               <a:rPr lang="en-US" smtClean="0"/>
               <a:pPr/>
-              <a:t>3/12/2023</a:t>
+              <a:t>3/13/2023</a:t>
             </a:fld>
             <a:endParaRPr lang="en-US" dirty="0"/>
           </a:p>
@@ -7206,7 +7211,7 @@
           <a:p>
             <a:fld id="{52647F38-B617-4D2F-AE0A-013F0C4D2C57}" type="datetimeFigureOut">
               <a:rPr lang="en-US" smtClean="0"/>
-              <a:t>3/12/2023</a:t>
+              <a:t>3/13/2023</a:t>
             </a:fld>
             <a:endParaRPr lang="en-US" dirty="0"/>
           </a:p>
@@ -8132,7 +8137,7 @@
             <a:fld id="{B61BEF0D-F0BB-DE4B-95CE-6DB70DBA9567}" type="datetimeFigureOut">
               <a:rPr lang="en-US" smtClean="0"/>
               <a:pPr/>
-              <a:t>3/12/2023</a:t>
+              <a:t>3/13/2023</a:t>
             </a:fld>
             <a:endParaRPr lang="en-US" dirty="0"/>
           </a:p>
@@ -8417,7 +8422,7 @@
           <a:p>
             <a:fld id="{05BFA754-D5C3-4E66-96A6-867B257F58DC}" type="datetimeFigureOut">
               <a:rPr lang="en-US" smtClean="0"/>
-              <a:t>3/12/2023</a:t>
+              <a:t>3/13/2023</a:t>
             </a:fld>
             <a:endParaRPr lang="en-US" dirty="0"/>
           </a:p>
@@ -8808,7 +8813,7 @@
             <a:fld id="{B61BEF0D-F0BB-DE4B-95CE-6DB70DBA9567}" type="datetimeFigureOut">
               <a:rPr lang="en-US" smtClean="0"/>
               <a:pPr/>
-              <a:t>3/12/2023</a:t>
+              <a:t>3/13/2023</a:t>
             </a:fld>
             <a:endParaRPr lang="en-US" dirty="0"/>
           </a:p>
@@ -8936,7 +8941,7 @@
             <a:fld id="{B61BEF0D-F0BB-DE4B-95CE-6DB70DBA9567}" type="datetimeFigureOut">
               <a:rPr lang="en-US" smtClean="0"/>
               <a:pPr/>
-              <a:t>3/12/2023</a:t>
+              <a:t>3/13/2023</a:t>
             </a:fld>
             <a:endParaRPr lang="en-US" dirty="0"/>
           </a:p>
@@ -9033,7 +9038,7 @@
             <a:fld id="{B61BEF0D-F0BB-DE4B-95CE-6DB70DBA9567}" type="datetimeFigureOut">
               <a:rPr lang="en-US" smtClean="0"/>
               <a:pPr/>
-              <a:t>3/12/2023</a:t>
+              <a:t>3/13/2023</a:t>
             </a:fld>
             <a:endParaRPr lang="en-US" dirty="0"/>
           </a:p>
@@ -10006,7 +10011,7 @@
             <a:fld id="{B61BEF0D-F0BB-DE4B-95CE-6DB70DBA9567}" type="datetimeFigureOut">
               <a:rPr lang="en-US" smtClean="0"/>
               <a:pPr/>
-              <a:t>3/12/2023</a:t>
+              <a:t>3/13/2023</a:t>
             </a:fld>
             <a:endParaRPr lang="en-US" dirty="0"/>
           </a:p>
@@ -11003,7 +11008,7 @@
             <a:fld id="{B61BEF0D-F0BB-DE4B-95CE-6DB70DBA9567}" type="datetimeFigureOut">
               <a:rPr lang="en-US" smtClean="0"/>
               <a:pPr/>
-              <a:t>3/12/2023</a:t>
+              <a:t>3/13/2023</a:t>
             </a:fld>
             <a:endParaRPr lang="en-US" dirty="0"/>
           </a:p>
@@ -11889,7 +11894,7 @@
             <a:fld id="{B61BEF0D-F0BB-DE4B-95CE-6DB70DBA9567}" type="datetimeFigureOut">
               <a:rPr lang="en-US" smtClean="0"/>
               <a:pPr/>
-              <a:t>3/12/2023</a:t>
+              <a:t>3/13/2023</a:t>
             </a:fld>
             <a:endParaRPr lang="en-US" dirty="0"/>
           </a:p>
@@ -12498,6 +12503,13 @@
   <p:clrMapOvr>
     <a:masterClrMapping/>
   </p:clrMapOvr>
+  <p:timing>
+    <p:tnLst>
+      <p:par>
+        <p:cTn id="1" dur="indefinite" restart="never" nodeType="tmRoot"/>
+      </p:par>
+    </p:tnLst>
+  </p:timing>
 </p:sld>
 </file>
 
@@ -12542,7 +12554,15 @@
                 <a:ea typeface="Pretendard SemiBold" panose="02000703000000020004" pitchFamily="50" charset="-127"/>
                 <a:cs typeface="Pretendard SemiBold" panose="02000703000000020004" pitchFamily="50" charset="-127"/>
               </a:rPr>
-              <a:t>자바스크립트 비동기 동작 원리</a:t>
+              <a:t>자바스크립트 비동기 </a:t>
+            </a:r>
+            <a:r>
+              <a:rPr lang="ko-KR" altLang="en-US" sz="3200" smtClean="0">
+                <a:latin typeface="Pretendard SemiBold" panose="02000703000000020004" pitchFamily="50" charset="-127"/>
+                <a:ea typeface="Pretendard SemiBold" panose="02000703000000020004" pitchFamily="50" charset="-127"/>
+                <a:cs typeface="Pretendard SemiBold" panose="02000703000000020004" pitchFamily="50" charset="-127"/>
+              </a:rPr>
+              <a:t>동작 원리 </a:t>
             </a:r>
             <a:endParaRPr lang="ko-KR" altLang="en-US" sz="3200" dirty="0">
               <a:latin typeface="Pretendard SemiBold" panose="02000703000000020004" pitchFamily="50" charset="-127"/>
@@ -12586,6 +12606,13 @@
   <p:clrMapOvr>
     <a:masterClrMapping/>
   </p:clrMapOvr>
+  <p:timing>
+    <p:tnLst>
+      <p:par>
+        <p:cTn id="1" dur="indefinite" restart="never" nodeType="tmRoot"/>
+      </p:par>
+    </p:tnLst>
+  </p:timing>
 </p:sld>
 </file>
 
@@ -12819,6 +12846,13 @@
   <p:clrMapOvr>
     <a:masterClrMapping/>
   </p:clrMapOvr>
+  <p:timing>
+    <p:tnLst>
+      <p:par>
+        <p:cTn id="1" dur="indefinite" restart="never" nodeType="tmRoot"/>
+      </p:par>
+    </p:tnLst>
+  </p:timing>
 </p:sld>
 </file>
 
@@ -13089,6 +13123,13 @@
   <p:clrMapOvr>
     <a:masterClrMapping/>
   </p:clrMapOvr>
+  <p:timing>
+    <p:tnLst>
+      <p:par>
+        <p:cTn id="1" dur="indefinite" restart="never" nodeType="tmRoot"/>
+      </p:par>
+    </p:tnLst>
+  </p:timing>
 </p:sld>
 </file>
 
@@ -13342,6 +13383,13 @@
   <p:clrMapOvr>
     <a:masterClrMapping/>
   </p:clrMapOvr>
+  <p:timing>
+    <p:tnLst>
+      <p:par>
+        <p:cTn id="1" dur="indefinite" restart="never" nodeType="tmRoot"/>
+      </p:par>
+    </p:tnLst>
+  </p:timing>
 </p:sld>
 </file>
 
@@ -14177,6 +14225,130 @@
   <p:clrMapOvr>
     <a:masterClrMapping/>
   </p:clrMapOvr>
+  <p:timing>
+    <p:tnLst>
+      <p:par>
+        <p:cTn id="1" dur="indefinite" restart="never" nodeType="tmRoot">
+          <p:childTnLst>
+            <p:seq concurrent="1" nextAc="seek">
+              <p:cTn id="2" dur="indefinite" nodeType="mainSeq">
+                <p:childTnLst>
+                  <p:par>
+                    <p:cTn id="3" fill="hold">
+                      <p:stCondLst>
+                        <p:cond delay="indefinite"/>
+                      </p:stCondLst>
+                      <p:childTnLst>
+                        <p:par>
+                          <p:cTn id="4" fill="hold">
+                            <p:stCondLst>
+                              <p:cond delay="0"/>
+                            </p:stCondLst>
+                            <p:childTnLst>
+                              <p:par>
+                                <p:cTn id="5" presetID="1" presetClass="entr" presetSubtype="0" fill="hold" grpId="0" nodeType="clickEffect">
+                                  <p:stCondLst>
+                                    <p:cond delay="0"/>
+                                  </p:stCondLst>
+                                  <p:childTnLst>
+                                    <p:set>
+                                      <p:cBhvr>
+                                        <p:cTn id="6" dur="1" fill="hold">
+                                          <p:stCondLst>
+                                            <p:cond delay="0"/>
+                                          </p:stCondLst>
+                                        </p:cTn>
+                                        <p:tgtEl>
+                                          <p:spTgt spid="5"/>
+                                        </p:tgtEl>
+                                        <p:attrNameLst>
+                                          <p:attrName>style.visibility</p:attrName>
+                                        </p:attrNameLst>
+                                      </p:cBhvr>
+                                      <p:to>
+                                        <p:strVal val="visible"/>
+                                      </p:to>
+                                    </p:set>
+                                  </p:childTnLst>
+                                </p:cTn>
+                              </p:par>
+                            </p:childTnLst>
+                          </p:cTn>
+                        </p:par>
+                      </p:childTnLst>
+                    </p:cTn>
+                  </p:par>
+                  <p:par>
+                    <p:cTn id="7" fill="hold">
+                      <p:stCondLst>
+                        <p:cond delay="indefinite"/>
+                      </p:stCondLst>
+                      <p:childTnLst>
+                        <p:par>
+                          <p:cTn id="8" fill="hold">
+                            <p:stCondLst>
+                              <p:cond delay="0"/>
+                            </p:stCondLst>
+                            <p:childTnLst>
+                              <p:par>
+                                <p:cTn id="9" presetID="1" presetClass="entr" presetSubtype="0" fill="hold" grpId="0" nodeType="clickEffect">
+                                  <p:stCondLst>
+                                    <p:cond delay="0"/>
+                                  </p:stCondLst>
+                                  <p:childTnLst>
+                                    <p:set>
+                                      <p:cBhvr>
+                                        <p:cTn id="10" dur="1" fill="hold">
+                                          <p:stCondLst>
+                                            <p:cond delay="0"/>
+                                          </p:stCondLst>
+                                        </p:cTn>
+                                        <p:tgtEl>
+                                          <p:spTgt spid="6"/>
+                                        </p:tgtEl>
+                                        <p:attrNameLst>
+                                          <p:attrName>style.visibility</p:attrName>
+                                        </p:attrNameLst>
+                                      </p:cBhvr>
+                                      <p:to>
+                                        <p:strVal val="visible"/>
+                                      </p:to>
+                                    </p:set>
+                                  </p:childTnLst>
+                                </p:cTn>
+                              </p:par>
+                            </p:childTnLst>
+                          </p:cTn>
+                        </p:par>
+                      </p:childTnLst>
+                    </p:cTn>
+                  </p:par>
+                </p:childTnLst>
+              </p:cTn>
+              <p:prevCondLst>
+                <p:cond evt="onPrev" delay="0">
+                  <p:tgtEl>
+                    <p:sldTgt/>
+                  </p:tgtEl>
+                </p:cond>
+              </p:prevCondLst>
+              <p:nextCondLst>
+                <p:cond evt="onNext" delay="0">
+                  <p:tgtEl>
+                    <p:sldTgt/>
+                  </p:tgtEl>
+                </p:cond>
+              </p:nextCondLst>
+            </p:seq>
+          </p:childTnLst>
+        </p:cTn>
+      </p:par>
+    </p:tnLst>
+    <p:bldLst>
+      <p:bldP spid="5" grpId="0"/>
+      <p:bldP spid="6" grpId="0" animBg="1"/>
+    </p:bldLst>
+  </p:timing>
 </p:sld>
 </file>
 
@@ -14425,6 +14597,13 @@
   <p:clrMapOvr>
     <a:masterClrMapping/>
   </p:clrMapOvr>
+  <p:timing>
+    <p:tnLst>
+      <p:par>
+        <p:cTn id="1" dur="indefinite" restart="never" nodeType="tmRoot"/>
+      </p:par>
+    </p:tnLst>
+  </p:timing>
 </p:sld>
 </file>
 
@@ -14666,6 +14845,13 @@
   <p:clrMapOvr>
     <a:masterClrMapping/>
   </p:clrMapOvr>
+  <p:timing>
+    <p:tnLst>
+      <p:par>
+        <p:cTn id="1" dur="indefinite" restart="never" nodeType="tmRoot"/>
+      </p:par>
+    </p:tnLst>
+  </p:timing>
 </p:sld>
 </file>
 
@@ -14754,6 +14940,13 @@
   <p:clrMapOvr>
     <a:masterClrMapping/>
   </p:clrMapOvr>
+  <p:timing>
+    <p:tnLst>
+      <p:par>
+        <p:cTn id="1" dur="indefinite" restart="never" nodeType="tmRoot"/>
+      </p:par>
+    </p:tnLst>
+  </p:timing>
 </p:sld>
 </file>
 
